--- a/cognitive_music/Cognitive Audio.pptx
+++ b/cognitive_music/Cognitive Audio.pptx
@@ -8,11 +8,12 @@
     <p:sldId id="256" r:id="rId2"/>
     <p:sldId id="261" r:id="rId3"/>
     <p:sldId id="262" r:id="rId4"/>
-    <p:sldId id="257" r:id="rId5"/>
-    <p:sldId id="263" r:id="rId6"/>
-    <p:sldId id="258" r:id="rId7"/>
-    <p:sldId id="259" r:id="rId8"/>
-    <p:sldId id="260" r:id="rId9"/>
+    <p:sldId id="264" r:id="rId5"/>
+    <p:sldId id="257" r:id="rId6"/>
+    <p:sldId id="263" r:id="rId7"/>
+    <p:sldId id="258" r:id="rId8"/>
+    <p:sldId id="259" r:id="rId9"/>
+    <p:sldId id="260" r:id="rId10"/>
   </p:sldIdLst>
   <p:sldSz cx="12192000" cy="6858000"/>
   <p:notesSz cx="6858000" cy="9144000"/>
@@ -4190,6 +4191,441 @@
 <file path=ppt/slides/slide4.xml><?xml version="1.0" encoding="utf-8"?>
 <p:sld xmlns:a="http://schemas.openxmlformats.org/drawingml/2006/main" xmlns:r="http://schemas.openxmlformats.org/officeDocument/2006/relationships" xmlns:p="http://schemas.openxmlformats.org/presentationml/2006/main">
   <p:cSld>
+    <p:spTree>
+      <p:nvGrpSpPr>
+        <p:cNvPr id="1" name=""/>
+        <p:cNvGrpSpPr/>
+        <p:nvPr/>
+      </p:nvGrpSpPr>
+      <p:grpSpPr>
+        <a:xfrm>
+          <a:off x="0" y="0"/>
+          <a:ext cx="0" cy="0"/>
+          <a:chOff x="0" y="0"/>
+          <a:chExt cx="0" cy="0"/>
+        </a:xfrm>
+      </p:grpSpPr>
+      <p:sp>
+        <p:nvSpPr>
+          <p:cNvPr id="2" name="Title 1">
+            <a:extLst>
+              <a:ext uri="{FF2B5EF4-FFF2-40B4-BE49-F238E27FC236}">
+                <a16:creationId xmlns:a16="http://schemas.microsoft.com/office/drawing/2014/main" id="{F7D32929-9CC3-540C-D149-0D60CA4BAED6}"/>
+              </a:ext>
+            </a:extLst>
+          </p:cNvPr>
+          <p:cNvSpPr>
+            <a:spLocks noGrp="1"/>
+          </p:cNvSpPr>
+          <p:nvPr>
+            <p:ph type="title"/>
+          </p:nvPr>
+        </p:nvSpPr>
+        <p:spPr/>
+        <p:txBody>
+          <a:bodyPr/>
+          <a:lstStyle/>
+          <a:p>
+            <a:r>
+              <a:rPr lang="en-US" dirty="0"/>
+              <a:t>General Architecture</a:t>
+            </a:r>
+          </a:p>
+        </p:txBody>
+      </p:sp>
+      <p:sp>
+        <p:nvSpPr>
+          <p:cNvPr id="4" name="Rectangle: Top Corners Snipped 3">
+            <a:extLst>
+              <a:ext uri="{FF2B5EF4-FFF2-40B4-BE49-F238E27FC236}">
+                <a16:creationId xmlns:a16="http://schemas.microsoft.com/office/drawing/2014/main" id="{EC6A599E-7266-60AC-F0E2-2C9A8D0E6AEB}"/>
+              </a:ext>
+            </a:extLst>
+          </p:cNvPr>
+          <p:cNvSpPr/>
+          <p:nvPr/>
+        </p:nvSpPr>
+        <p:spPr>
+          <a:xfrm rot="5400000">
+            <a:off x="2649710" y="2753860"/>
+            <a:ext cx="1796528" cy="1312433"/>
+          </a:xfrm>
+          <a:prstGeom prst="snip2SameRect">
+            <a:avLst>
+              <a:gd name="adj1" fmla="val 47965"/>
+              <a:gd name="adj2" fmla="val 0"/>
+            </a:avLst>
+          </a:prstGeom>
+          <a:solidFill>
+            <a:schemeClr val="tx2">
+              <a:lumMod val="10000"/>
+              <a:lumOff val="90000"/>
+            </a:schemeClr>
+          </a:solidFill>
+        </p:spPr>
+        <p:style>
+          <a:lnRef idx="2">
+            <a:schemeClr val="accent1">
+              <a:shade val="15000"/>
+            </a:schemeClr>
+          </a:lnRef>
+          <a:fillRef idx="1">
+            <a:schemeClr val="accent1"/>
+          </a:fillRef>
+          <a:effectRef idx="0">
+            <a:schemeClr val="accent1"/>
+          </a:effectRef>
+          <a:fontRef idx="minor">
+            <a:schemeClr val="lt1"/>
+          </a:fontRef>
+        </p:style>
+        <p:txBody>
+          <a:bodyPr rtlCol="0" anchor="ctr">
+            <a:scene3d>
+              <a:camera prst="orthographicFront">
+                <a:rot lat="0" lon="0" rev="5400000"/>
+              </a:camera>
+              <a:lightRig rig="threePt" dir="t"/>
+            </a:scene3d>
+          </a:bodyPr>
+          <a:lstStyle/>
+          <a:p>
+            <a:pPr algn="ctr"/>
+            <a:r>
+              <a:rPr lang="en-US" dirty="0"/>
+              <a:t>Encoder</a:t>
+            </a:r>
+          </a:p>
+        </p:txBody>
+      </p:sp>
+      <p:sp>
+        <p:nvSpPr>
+          <p:cNvPr id="6" name="Rectangle: Top Corners Snipped 5">
+            <a:extLst>
+              <a:ext uri="{FF2B5EF4-FFF2-40B4-BE49-F238E27FC236}">
+                <a16:creationId xmlns:a16="http://schemas.microsoft.com/office/drawing/2014/main" id="{4041F019-3531-828F-D9A0-754D98E4F972}"/>
+              </a:ext>
+            </a:extLst>
+          </p:cNvPr>
+          <p:cNvSpPr/>
+          <p:nvPr/>
+        </p:nvSpPr>
+        <p:spPr>
+          <a:xfrm rot="16200000">
+            <a:off x="5847249" y="2902662"/>
+            <a:ext cx="3124074" cy="2369977"/>
+          </a:xfrm>
+          <a:prstGeom prst="snip2SameRect">
+            <a:avLst>
+              <a:gd name="adj1" fmla="val 28666"/>
+              <a:gd name="adj2" fmla="val 0"/>
+            </a:avLst>
+          </a:prstGeom>
+          <a:solidFill>
+            <a:schemeClr val="tx2">
+              <a:lumMod val="10000"/>
+              <a:lumOff val="90000"/>
+            </a:schemeClr>
+          </a:solidFill>
+        </p:spPr>
+        <p:style>
+          <a:lnRef idx="2">
+            <a:schemeClr val="accent1">
+              <a:shade val="15000"/>
+            </a:schemeClr>
+          </a:lnRef>
+          <a:fillRef idx="1">
+            <a:schemeClr val="accent1"/>
+          </a:fillRef>
+          <a:effectRef idx="0">
+            <a:schemeClr val="accent1"/>
+          </a:effectRef>
+          <a:fontRef idx="minor">
+            <a:schemeClr val="lt1"/>
+          </a:fontRef>
+        </p:style>
+        <p:txBody>
+          <a:bodyPr rtlCol="0" anchor="ctr">
+            <a:scene3d>
+              <a:camera prst="orthographicFront">
+                <a:rot lat="0" lon="0" rev="16200000"/>
+              </a:camera>
+              <a:lightRig rig="threePt" dir="t"/>
+            </a:scene3d>
+          </a:bodyPr>
+          <a:lstStyle/>
+          <a:p>
+            <a:pPr algn="ctr"/>
+            <a:r>
+              <a:rPr lang="en-US" dirty="0"/>
+              <a:t>Decoder</a:t>
+            </a:r>
+          </a:p>
+          <a:p>
+            <a:pPr algn="ctr"/>
+            <a:r>
+              <a:rPr lang="en-US" dirty="0"/>
+              <a:t>(context-aware generative)</a:t>
+            </a:r>
+          </a:p>
+          <a:p>
+            <a:pPr algn="ctr"/>
+            <a:r>
+              <a:rPr lang="en-US" dirty="0"/>
+              <a:t>(nearest-neighbor </a:t>
+            </a:r>
+          </a:p>
+          <a:p>
+            <a:pPr algn="ctr"/>
+            <a:r>
+              <a:rPr lang="en-US" dirty="0"/>
+              <a:t>+ glue)</a:t>
+            </a:r>
+          </a:p>
+        </p:txBody>
+      </p:sp>
+      <p:sp>
+        <p:nvSpPr>
+          <p:cNvPr id="7" name="TextBox 6">
+            <a:extLst>
+              <a:ext uri="{FF2B5EF4-FFF2-40B4-BE49-F238E27FC236}">
+                <a16:creationId xmlns:a16="http://schemas.microsoft.com/office/drawing/2014/main" id="{EBAC6556-9DBD-E34C-DEB9-027F28753037}"/>
+              </a:ext>
+            </a:extLst>
+          </p:cNvPr>
+          <p:cNvSpPr txBox="1"/>
+          <p:nvPr/>
+        </p:nvSpPr>
+        <p:spPr>
+          <a:xfrm>
+            <a:off x="1429732" y="3090660"/>
+            <a:ext cx="1435008" cy="1200329"/>
+          </a:xfrm>
+          <a:prstGeom prst="rect">
+            <a:avLst/>
+          </a:prstGeom>
+          <a:noFill/>
+        </p:spPr>
+        <p:txBody>
+          <a:bodyPr wrap="none" rtlCol="0">
+            <a:spAutoFit/>
+          </a:bodyPr>
+          <a:lstStyle/>
+          <a:p>
+            <a:r>
+              <a:rPr lang="en-US" dirty="0"/>
+              <a:t>Activity Data</a:t>
+            </a:r>
+          </a:p>
+          <a:p>
+            <a:r>
+              <a:rPr lang="en-US" dirty="0"/>
+              <a:t>(HR)</a:t>
+            </a:r>
+            <a:br>
+              <a:rPr lang="en-US" dirty="0"/>
+            </a:br>
+            <a:r>
+              <a:rPr lang="en-US" dirty="0"/>
+              <a:t>(Accel)</a:t>
+            </a:r>
+          </a:p>
+          <a:p>
+            <a:r>
+              <a:rPr lang="en-US" dirty="0"/>
+              <a:t>(Audio)</a:t>
+            </a:r>
+          </a:p>
+        </p:txBody>
+      </p:sp>
+      <p:sp>
+        <p:nvSpPr>
+          <p:cNvPr id="8" name="TextBox 7">
+            <a:extLst>
+              <a:ext uri="{FF2B5EF4-FFF2-40B4-BE49-F238E27FC236}">
+                <a16:creationId xmlns:a16="http://schemas.microsoft.com/office/drawing/2014/main" id="{6F399FF9-E629-269E-A6A8-C90CE31BB4B8}"/>
+              </a:ext>
+            </a:extLst>
+          </p:cNvPr>
+          <p:cNvSpPr txBox="1"/>
+          <p:nvPr/>
+        </p:nvSpPr>
+        <p:spPr>
+          <a:xfrm>
+            <a:off x="1429732" y="2438447"/>
+            <a:ext cx="1286186" cy="646331"/>
+          </a:xfrm>
+          <a:prstGeom prst="rect">
+            <a:avLst/>
+          </a:prstGeom>
+          <a:noFill/>
+        </p:spPr>
+        <p:txBody>
+          <a:bodyPr wrap="none" rtlCol="0">
+            <a:spAutoFit/>
+          </a:bodyPr>
+          <a:lstStyle/>
+          <a:p>
+            <a:r>
+              <a:rPr lang="en-US" dirty="0"/>
+              <a:t>Static Data</a:t>
+            </a:r>
+          </a:p>
+          <a:p>
+            <a:r>
+              <a:rPr lang="en-US" dirty="0"/>
+              <a:t>(pers. Info)</a:t>
+            </a:r>
+          </a:p>
+        </p:txBody>
+      </p:sp>
+      <p:sp>
+        <p:nvSpPr>
+          <p:cNvPr id="10" name="TextBox 9">
+            <a:extLst>
+              <a:ext uri="{FF2B5EF4-FFF2-40B4-BE49-F238E27FC236}">
+                <a16:creationId xmlns:a16="http://schemas.microsoft.com/office/drawing/2014/main" id="{A3FEEEB4-7B62-ED39-3491-DF34E020AC0A}"/>
+              </a:ext>
+            </a:extLst>
+          </p:cNvPr>
+          <p:cNvSpPr txBox="1"/>
+          <p:nvPr/>
+        </p:nvSpPr>
+        <p:spPr>
+          <a:xfrm>
+            <a:off x="4204189" y="3217203"/>
+            <a:ext cx="2020105" cy="369332"/>
+          </a:xfrm>
+          <a:prstGeom prst="rect">
+            <a:avLst/>
+          </a:prstGeom>
+          <a:noFill/>
+        </p:spPr>
+        <p:txBody>
+          <a:bodyPr wrap="none" rtlCol="0">
+            <a:spAutoFit/>
+          </a:bodyPr>
+          <a:lstStyle/>
+          <a:p>
+            <a:r>
+              <a:rPr lang="en-US" dirty="0"/>
+              <a:t>Activity Semantics</a:t>
+            </a:r>
+          </a:p>
+        </p:txBody>
+      </p:sp>
+      <p:sp>
+        <p:nvSpPr>
+          <p:cNvPr id="11" name="TextBox 10">
+            <a:extLst>
+              <a:ext uri="{FF2B5EF4-FFF2-40B4-BE49-F238E27FC236}">
+                <a16:creationId xmlns:a16="http://schemas.microsoft.com/office/drawing/2014/main" id="{61527DF6-BA3D-DBF8-0135-8A39662B55B7}"/>
+              </a:ext>
+            </a:extLst>
+          </p:cNvPr>
+          <p:cNvSpPr txBox="1"/>
+          <p:nvPr/>
+        </p:nvSpPr>
+        <p:spPr>
+          <a:xfrm>
+            <a:off x="4443084" y="3564148"/>
+            <a:ext cx="1741438" cy="1477328"/>
+          </a:xfrm>
+          <a:prstGeom prst="rect">
+            <a:avLst/>
+          </a:prstGeom>
+          <a:noFill/>
+        </p:spPr>
+        <p:txBody>
+          <a:bodyPr wrap="none" rtlCol="0">
+            <a:spAutoFit/>
+          </a:bodyPr>
+          <a:lstStyle/>
+          <a:p>
+            <a:pPr algn="r"/>
+            <a:r>
+              <a:rPr lang="en-US" dirty="0"/>
+              <a:t>Activity Context</a:t>
+            </a:r>
+          </a:p>
+          <a:p>
+            <a:pPr algn="r"/>
+            <a:r>
+              <a:rPr lang="en-US" dirty="0"/>
+              <a:t>Manual Tuning</a:t>
+            </a:r>
+          </a:p>
+          <a:p>
+            <a:pPr algn="r"/>
+            <a:r>
+              <a:rPr lang="en-US" dirty="0"/>
+              <a:t>Prompt</a:t>
+            </a:r>
+          </a:p>
+          <a:p>
+            <a:pPr algn="r"/>
+            <a:endParaRPr lang="en-US" dirty="0"/>
+          </a:p>
+          <a:p>
+            <a:pPr algn="r"/>
+            <a:r>
+              <a:rPr lang="en-US" dirty="0"/>
+              <a:t>(Maybe Audio)</a:t>
+            </a:r>
+          </a:p>
+        </p:txBody>
+      </p:sp>
+      <p:sp>
+        <p:nvSpPr>
+          <p:cNvPr id="12" name="TextBox 11">
+            <a:extLst>
+              <a:ext uri="{FF2B5EF4-FFF2-40B4-BE49-F238E27FC236}">
+                <a16:creationId xmlns:a16="http://schemas.microsoft.com/office/drawing/2014/main" id="{E1EB32B4-92D3-8715-0059-FD91C31DBCE3}"/>
+              </a:ext>
+            </a:extLst>
+          </p:cNvPr>
+          <p:cNvSpPr txBox="1"/>
+          <p:nvPr/>
+        </p:nvSpPr>
+        <p:spPr>
+          <a:xfrm>
+            <a:off x="8617726" y="3848553"/>
+            <a:ext cx="1528047" cy="369332"/>
+          </a:xfrm>
+          <a:prstGeom prst="rect">
+            <a:avLst/>
+          </a:prstGeom>
+          <a:noFill/>
+        </p:spPr>
+        <p:txBody>
+          <a:bodyPr wrap="none" rtlCol="0">
+            <a:spAutoFit/>
+          </a:bodyPr>
+          <a:lstStyle/>
+          <a:p>
+            <a:r>
+              <a:rPr lang="en-US" dirty="0"/>
+              <a:t>Audio Stream</a:t>
+            </a:r>
+          </a:p>
+        </p:txBody>
+      </p:sp>
+    </p:spTree>
+    <p:extLst>
+      <p:ext uri="{BB962C8B-B14F-4D97-AF65-F5344CB8AC3E}">
+        <p14:creationId xmlns:p14="http://schemas.microsoft.com/office/powerpoint/2010/main" val="3843097605"/>
+      </p:ext>
+    </p:extLst>
+  </p:cSld>
+  <p:clrMapOvr>
+    <a:masterClrMapping/>
+  </p:clrMapOvr>
+</p:sld>
+</file>
+
+<file path=ppt/slides/slide5.xml><?xml version="1.0" encoding="utf-8"?>
+<p:sld xmlns:a="http://schemas.openxmlformats.org/drawingml/2006/main" xmlns:r="http://schemas.openxmlformats.org/officeDocument/2006/relationships" xmlns:p="http://schemas.openxmlformats.org/presentationml/2006/main">
+  <p:cSld>
     <p:bg>
       <p:bgPr>
         <a:solidFill>
@@ -5184,7 +5620,7 @@
 </p:sld>
 </file>
 
-<file path=ppt/slides/slide5.xml><?xml version="1.0" encoding="utf-8"?>
+<file path=ppt/slides/slide6.xml><?xml version="1.0" encoding="utf-8"?>
 <p:sld xmlns:a="http://schemas.openxmlformats.org/drawingml/2006/main" xmlns:r="http://schemas.openxmlformats.org/officeDocument/2006/relationships" xmlns:p="http://schemas.openxmlformats.org/presentationml/2006/main">
   <p:cSld>
     <p:spTree>
@@ -5347,7 +5783,7 @@
 </p:sld>
 </file>
 
-<file path=ppt/slides/slide6.xml><?xml version="1.0" encoding="utf-8"?>
+<file path=ppt/slides/slide7.xml><?xml version="1.0" encoding="utf-8"?>
 <p:sld xmlns:a="http://schemas.openxmlformats.org/drawingml/2006/main" xmlns:r="http://schemas.openxmlformats.org/officeDocument/2006/relationships" xmlns:p="http://schemas.openxmlformats.org/presentationml/2006/main">
   <p:cSld>
     <p:bg>
@@ -6174,186 +6610,6 @@
 </p:sld>
 </file>
 
-<file path=ppt/slides/slide7.xml><?xml version="1.0" encoding="utf-8"?>
-<p:sld xmlns:a="http://schemas.openxmlformats.org/drawingml/2006/main" xmlns:r="http://schemas.openxmlformats.org/officeDocument/2006/relationships" xmlns:p="http://schemas.openxmlformats.org/presentationml/2006/main">
-  <p:cSld>
-    <p:spTree>
-      <p:nvGrpSpPr>
-        <p:cNvPr id="1" name=""/>
-        <p:cNvGrpSpPr/>
-        <p:nvPr/>
-      </p:nvGrpSpPr>
-      <p:grpSpPr>
-        <a:xfrm>
-          <a:off x="0" y="0"/>
-          <a:ext cx="0" cy="0"/>
-          <a:chOff x="0" y="0"/>
-          <a:chExt cx="0" cy="0"/>
-        </a:xfrm>
-      </p:grpSpPr>
-      <p:sp>
-        <p:nvSpPr>
-          <p:cNvPr id="2" name="Title 1">
-            <a:extLst>
-              <a:ext uri="{FF2B5EF4-FFF2-40B4-BE49-F238E27FC236}">
-                <a16:creationId xmlns:a16="http://schemas.microsoft.com/office/drawing/2014/main" id="{18588D8C-AD67-425A-4A31-B742E25C7595}"/>
-              </a:ext>
-            </a:extLst>
-          </p:cNvPr>
-          <p:cNvSpPr>
-            <a:spLocks noGrp="1"/>
-          </p:cNvSpPr>
-          <p:nvPr>
-            <p:ph type="title"/>
-          </p:nvPr>
-        </p:nvSpPr>
-        <p:spPr/>
-        <p:txBody>
-          <a:bodyPr/>
-          <a:lstStyle/>
-          <a:p>
-            <a:r>
-              <a:rPr lang="en-US" dirty="0"/>
-              <a:t>Audio Decoder</a:t>
-            </a:r>
-          </a:p>
-        </p:txBody>
-      </p:sp>
-      <p:sp>
-        <p:nvSpPr>
-          <p:cNvPr id="3" name="Content Placeholder 2">
-            <a:extLst>
-              <a:ext uri="{FF2B5EF4-FFF2-40B4-BE49-F238E27FC236}">
-                <a16:creationId xmlns:a16="http://schemas.microsoft.com/office/drawing/2014/main" id="{A48B1EF6-1578-09CC-CD2B-1DBB350B244F}"/>
-              </a:ext>
-            </a:extLst>
-          </p:cNvPr>
-          <p:cNvSpPr>
-            <a:spLocks noGrp="1"/>
-          </p:cNvSpPr>
-          <p:nvPr>
-            <p:ph idx="1"/>
-          </p:nvPr>
-        </p:nvSpPr>
-        <p:spPr>
-          <a:xfrm>
-            <a:off x="838200" y="1624405"/>
-            <a:ext cx="10515600" cy="4552558"/>
-          </a:xfrm>
-        </p:spPr>
-        <p:txBody>
-          <a:bodyPr>
-            <a:normAutofit/>
-          </a:bodyPr>
-          <a:lstStyle/>
-          <a:p>
-            <a:r>
-              <a:rPr lang="en-US" dirty="0"/>
-              <a:t>Audio model with latent / semantic context input</a:t>
-            </a:r>
-          </a:p>
-          <a:p>
-            <a:pPr lvl="1"/>
-            <a:r>
-              <a:rPr lang="en-US" dirty="0"/>
-              <a:t>Context shifting, </a:t>
-            </a:r>
-            <a:r>
-              <a:rPr lang="en-US" dirty="0" err="1"/>
-              <a:t>realtime</a:t>
-            </a:r>
-            <a:r>
-              <a:rPr lang="en-US" dirty="0"/>
-              <a:t> indicators for latency management</a:t>
-            </a:r>
-          </a:p>
-          <a:p>
-            <a:pPr lvl="1"/>
-            <a:r>
-              <a:rPr lang="en-US" dirty="0"/>
-              <a:t>Finetuned/</a:t>
-            </a:r>
-            <a:r>
-              <a:rPr lang="en-US" dirty="0">
-                <a:hlinkClick r:id="rId2"/>
-              </a:rPr>
-              <a:t>pretrained generative music model </a:t>
-            </a:r>
-            <a:r>
-              <a:rPr lang="en-US" dirty="0"/>
-              <a:t>– investigate input, latency</a:t>
-            </a:r>
-          </a:p>
-          <a:p>
-            <a:pPr lvl="1"/>
-            <a:r>
-              <a:rPr lang="en-US" dirty="0"/>
-              <a:t>Cross-attentive / TFT-type architecture (multiple context sources)</a:t>
-            </a:r>
-            <a:endParaRPr lang="en-US" b="1" dirty="0"/>
-          </a:p>
-          <a:p>
-            <a:r>
-              <a:rPr lang="en-US" dirty="0">
-                <a:hlinkClick r:id="rId3"/>
-              </a:rPr>
-              <a:t>Synthesizer-type</a:t>
-            </a:r>
-            <a:r>
-              <a:rPr lang="en-US" dirty="0"/>
-              <a:t> audio control (see MIT lab)</a:t>
-            </a:r>
-          </a:p>
-          <a:p>
-            <a:pPr lvl="1"/>
-            <a:r>
-              <a:rPr lang="en-US" dirty="0"/>
-              <a:t>Pretraining/RL with larger multimodal model for labelling &amp; task convergence</a:t>
-            </a:r>
-          </a:p>
-          <a:p>
-            <a:r>
-              <a:rPr lang="en-US" b="1" dirty="0"/>
-              <a:t>K-</a:t>
-            </a:r>
-            <a:r>
-              <a:rPr lang="en-US" b="1" dirty="0" err="1"/>
-              <a:t>nn</a:t>
-            </a:r>
-            <a:r>
-              <a:rPr lang="en-US" b="1" dirty="0"/>
-              <a:t> style segmented dataset streaming</a:t>
-            </a:r>
-          </a:p>
-          <a:p>
-            <a:pPr lvl="1"/>
-            <a:r>
-              <a:rPr lang="en-US" dirty="0"/>
-              <a:t>Smaller “glue” model trained to transition between segments</a:t>
-            </a:r>
-          </a:p>
-          <a:p>
-            <a:pPr lvl="1"/>
-            <a:r>
-              <a:rPr lang="en-US" dirty="0"/>
-              <a:t>Ex grab beat drop &amp; stream in</a:t>
-            </a:r>
-          </a:p>
-        </p:txBody>
-      </p:sp>
-    </p:spTree>
-    <p:extLst>
-      <p:ext uri="{BB962C8B-B14F-4D97-AF65-F5344CB8AC3E}">
-        <p14:creationId xmlns:p14="http://schemas.microsoft.com/office/powerpoint/2010/main" val="1911505490"/>
-      </p:ext>
-    </p:extLst>
-  </p:cSld>
-  <p:clrMapOvr>
-    <a:masterClrMapping/>
-  </p:clrMapOvr>
-</p:sld>
-</file>
-
 <file path=ppt/slides/slide8.xml><?xml version="1.0" encoding="utf-8"?>
 <p:sld xmlns:a="http://schemas.openxmlformats.org/drawingml/2006/main" xmlns:r="http://schemas.openxmlformats.org/officeDocument/2006/relationships" xmlns:p="http://schemas.openxmlformats.org/presentationml/2006/main">
   <p:cSld>
@@ -6376,6 +6632,186 @@
           <p:cNvPr id="2" name="Title 1">
             <a:extLst>
               <a:ext uri="{FF2B5EF4-FFF2-40B4-BE49-F238E27FC236}">
+                <a16:creationId xmlns:a16="http://schemas.microsoft.com/office/drawing/2014/main" id="{18588D8C-AD67-425A-4A31-B742E25C7595}"/>
+              </a:ext>
+            </a:extLst>
+          </p:cNvPr>
+          <p:cNvSpPr>
+            <a:spLocks noGrp="1"/>
+          </p:cNvSpPr>
+          <p:nvPr>
+            <p:ph type="title"/>
+          </p:nvPr>
+        </p:nvSpPr>
+        <p:spPr/>
+        <p:txBody>
+          <a:bodyPr/>
+          <a:lstStyle/>
+          <a:p>
+            <a:r>
+              <a:rPr lang="en-US" dirty="0"/>
+              <a:t>Audio Decoder</a:t>
+            </a:r>
+          </a:p>
+        </p:txBody>
+      </p:sp>
+      <p:sp>
+        <p:nvSpPr>
+          <p:cNvPr id="3" name="Content Placeholder 2">
+            <a:extLst>
+              <a:ext uri="{FF2B5EF4-FFF2-40B4-BE49-F238E27FC236}">
+                <a16:creationId xmlns:a16="http://schemas.microsoft.com/office/drawing/2014/main" id="{A48B1EF6-1578-09CC-CD2B-1DBB350B244F}"/>
+              </a:ext>
+            </a:extLst>
+          </p:cNvPr>
+          <p:cNvSpPr>
+            <a:spLocks noGrp="1"/>
+          </p:cNvSpPr>
+          <p:nvPr>
+            <p:ph idx="1"/>
+          </p:nvPr>
+        </p:nvSpPr>
+        <p:spPr>
+          <a:xfrm>
+            <a:off x="838200" y="1624405"/>
+            <a:ext cx="10515600" cy="4552558"/>
+          </a:xfrm>
+        </p:spPr>
+        <p:txBody>
+          <a:bodyPr>
+            <a:normAutofit/>
+          </a:bodyPr>
+          <a:lstStyle/>
+          <a:p>
+            <a:r>
+              <a:rPr lang="en-US" dirty="0"/>
+              <a:t>Audio model with latent / semantic context input</a:t>
+            </a:r>
+          </a:p>
+          <a:p>
+            <a:pPr lvl="1"/>
+            <a:r>
+              <a:rPr lang="en-US" dirty="0"/>
+              <a:t>Context shifting, </a:t>
+            </a:r>
+            <a:r>
+              <a:rPr lang="en-US" dirty="0" err="1"/>
+              <a:t>realtime</a:t>
+            </a:r>
+            <a:r>
+              <a:rPr lang="en-US" dirty="0"/>
+              <a:t> indicators for latency management</a:t>
+            </a:r>
+          </a:p>
+          <a:p>
+            <a:pPr lvl="1"/>
+            <a:r>
+              <a:rPr lang="en-US" dirty="0"/>
+              <a:t>Finetuned/</a:t>
+            </a:r>
+            <a:r>
+              <a:rPr lang="en-US" dirty="0">
+                <a:hlinkClick r:id="rId2"/>
+              </a:rPr>
+              <a:t>pretrained generative music model </a:t>
+            </a:r>
+            <a:r>
+              <a:rPr lang="en-US" dirty="0"/>
+              <a:t>– investigate input, latency</a:t>
+            </a:r>
+          </a:p>
+          <a:p>
+            <a:pPr lvl="1"/>
+            <a:r>
+              <a:rPr lang="en-US" dirty="0"/>
+              <a:t>Cross-attentive / TFT-type architecture (multiple context sources)</a:t>
+            </a:r>
+            <a:endParaRPr lang="en-US" b="1" dirty="0"/>
+          </a:p>
+          <a:p>
+            <a:r>
+              <a:rPr lang="en-US" dirty="0">
+                <a:hlinkClick r:id="rId3"/>
+              </a:rPr>
+              <a:t>Synthesizer-type</a:t>
+            </a:r>
+            <a:r>
+              <a:rPr lang="en-US" dirty="0"/>
+              <a:t> audio control (see MIT lab)</a:t>
+            </a:r>
+          </a:p>
+          <a:p>
+            <a:pPr lvl="1"/>
+            <a:r>
+              <a:rPr lang="en-US" dirty="0"/>
+              <a:t>Pretraining/RL with larger multimodal model for labelling &amp; task convergence</a:t>
+            </a:r>
+          </a:p>
+          <a:p>
+            <a:r>
+              <a:rPr lang="en-US" b="1" dirty="0"/>
+              <a:t>K-</a:t>
+            </a:r>
+            <a:r>
+              <a:rPr lang="en-US" b="1" dirty="0" err="1"/>
+              <a:t>nn</a:t>
+            </a:r>
+            <a:r>
+              <a:rPr lang="en-US" b="1" dirty="0"/>
+              <a:t> style segmented dataset streaming</a:t>
+            </a:r>
+          </a:p>
+          <a:p>
+            <a:pPr lvl="1"/>
+            <a:r>
+              <a:rPr lang="en-US" dirty="0"/>
+              <a:t>Smaller “glue” model trained to transition between segments</a:t>
+            </a:r>
+          </a:p>
+          <a:p>
+            <a:pPr lvl="1"/>
+            <a:r>
+              <a:rPr lang="en-US" dirty="0"/>
+              <a:t>Ex grab beat drop &amp; stream in</a:t>
+            </a:r>
+          </a:p>
+        </p:txBody>
+      </p:sp>
+    </p:spTree>
+    <p:extLst>
+      <p:ext uri="{BB962C8B-B14F-4D97-AF65-F5344CB8AC3E}">
+        <p14:creationId xmlns:p14="http://schemas.microsoft.com/office/powerpoint/2010/main" val="1911505490"/>
+      </p:ext>
+    </p:extLst>
+  </p:cSld>
+  <p:clrMapOvr>
+    <a:masterClrMapping/>
+  </p:clrMapOvr>
+</p:sld>
+</file>
+
+<file path=ppt/slides/slide9.xml><?xml version="1.0" encoding="utf-8"?>
+<p:sld xmlns:a="http://schemas.openxmlformats.org/drawingml/2006/main" xmlns:r="http://schemas.openxmlformats.org/officeDocument/2006/relationships" xmlns:p="http://schemas.openxmlformats.org/presentationml/2006/main">
+  <p:cSld>
+    <p:spTree>
+      <p:nvGrpSpPr>
+        <p:cNvPr id="1" name=""/>
+        <p:cNvGrpSpPr/>
+        <p:nvPr/>
+      </p:nvGrpSpPr>
+      <p:grpSpPr>
+        <a:xfrm>
+          <a:off x="0" y="0"/>
+          <a:ext cx="0" cy="0"/>
+          <a:chOff x="0" y="0"/>
+          <a:chExt cx="0" cy="0"/>
+        </a:xfrm>
+      </p:grpSpPr>
+      <p:sp>
+        <p:nvSpPr>
+          <p:cNvPr id="2" name="Title 1">
+            <a:extLst>
+              <a:ext uri="{FF2B5EF4-FFF2-40B4-BE49-F238E27FC236}">
                 <a16:creationId xmlns:a16="http://schemas.microsoft.com/office/drawing/2014/main" id="{031086FB-43E3-5CC2-CD91-387A5089F0D8}"/>
               </a:ext>
             </a:extLst>
@@ -6423,6 +6859,12 @@
             <a:r>
               <a:rPr lang="en-US" dirty="0"/>
               <a:t>Look into game music control</a:t>
+            </a:r>
+          </a:p>
+          <a:p>
+            <a:r>
+              <a:rPr lang="en-US" dirty="0"/>
+              <a:t>Inhibitory (ex ANC) vs Excitatory stimulus</a:t>
             </a:r>
           </a:p>
           <a:p>
@@ -6453,8 +6895,8 @@
         </p:nvSpPr>
         <p:spPr>
           <a:xfrm>
-            <a:off x="2639834" y="6169709"/>
-            <a:ext cx="9603976" cy="646331"/>
+            <a:off x="2525187" y="6369512"/>
+            <a:ext cx="9666813" cy="369332"/>
           </a:xfrm>
           <a:prstGeom prst="rect">
             <a:avLst/>
@@ -6469,21 +6911,18 @@
           <a:p>
             <a:r>
               <a:rPr lang="en-US" dirty="0"/>
-              <a:t>Research Development &amp; Patent Pending – contact </a:t>
+              <a:t>Product Research &amp; Development Stage – contact </a:t>
             </a:r>
             <a:r>
               <a:rPr lang="en-US" dirty="0">
                 <a:hlinkClick r:id="rId2"/>
               </a:rPr>
-              <a:t>liam.s.mchugh@gmail.com</a:t>
+              <a:t>liam.mchugh@columbia.edu</a:t>
             </a:r>
             <a:r>
               <a:rPr lang="en-US" dirty="0"/>
               <a:t> for more details</a:t>
             </a:r>
-          </a:p>
-          <a:p>
-            <a:endParaRPr lang="en-US" dirty="0"/>
           </a:p>
         </p:txBody>
       </p:sp>

--- a/cognitive_music/Cognitive Audio.pptx
+++ b/cognitive_music/Cognitive Audio.pptx
@@ -267,7 +267,7 @@
           <a:p>
             <a:fld id="{E70142CA-9D5D-413D-9993-8CF5D57032C0}" type="datetimeFigureOut">
               <a:rPr lang="en-US" smtClean="0"/>
-              <a:t>1/27/2025</a:t>
+              <a:t>1/28/2025</a:t>
             </a:fld>
             <a:endParaRPr lang="en-US"/>
           </a:p>
@@ -465,7 +465,7 @@
           <a:p>
             <a:fld id="{E70142CA-9D5D-413D-9993-8CF5D57032C0}" type="datetimeFigureOut">
               <a:rPr lang="en-US" smtClean="0"/>
-              <a:t>1/27/2025</a:t>
+              <a:t>1/28/2025</a:t>
             </a:fld>
             <a:endParaRPr lang="en-US"/>
           </a:p>
@@ -673,7 +673,7 @@
           <a:p>
             <a:fld id="{E70142CA-9D5D-413D-9993-8CF5D57032C0}" type="datetimeFigureOut">
               <a:rPr lang="en-US" smtClean="0"/>
-              <a:t>1/27/2025</a:t>
+              <a:t>1/28/2025</a:t>
             </a:fld>
             <a:endParaRPr lang="en-US"/>
           </a:p>
@@ -871,7 +871,7 @@
           <a:p>
             <a:fld id="{E70142CA-9D5D-413D-9993-8CF5D57032C0}" type="datetimeFigureOut">
               <a:rPr lang="en-US" smtClean="0"/>
-              <a:t>1/27/2025</a:t>
+              <a:t>1/28/2025</a:t>
             </a:fld>
             <a:endParaRPr lang="en-US"/>
           </a:p>
@@ -1146,7 +1146,7 @@
           <a:p>
             <a:fld id="{E70142CA-9D5D-413D-9993-8CF5D57032C0}" type="datetimeFigureOut">
               <a:rPr lang="en-US" smtClean="0"/>
-              <a:t>1/27/2025</a:t>
+              <a:t>1/28/2025</a:t>
             </a:fld>
             <a:endParaRPr lang="en-US"/>
           </a:p>
@@ -1411,7 +1411,7 @@
           <a:p>
             <a:fld id="{E70142CA-9D5D-413D-9993-8CF5D57032C0}" type="datetimeFigureOut">
               <a:rPr lang="en-US" smtClean="0"/>
-              <a:t>1/27/2025</a:t>
+              <a:t>1/28/2025</a:t>
             </a:fld>
             <a:endParaRPr lang="en-US"/>
           </a:p>
@@ -1823,7 +1823,7 @@
           <a:p>
             <a:fld id="{E70142CA-9D5D-413D-9993-8CF5D57032C0}" type="datetimeFigureOut">
               <a:rPr lang="en-US" smtClean="0"/>
-              <a:t>1/27/2025</a:t>
+              <a:t>1/28/2025</a:t>
             </a:fld>
             <a:endParaRPr lang="en-US"/>
           </a:p>
@@ -1964,7 +1964,7 @@
           <a:p>
             <a:fld id="{E70142CA-9D5D-413D-9993-8CF5D57032C0}" type="datetimeFigureOut">
               <a:rPr lang="en-US" smtClean="0"/>
-              <a:t>1/27/2025</a:t>
+              <a:t>1/28/2025</a:t>
             </a:fld>
             <a:endParaRPr lang="en-US"/>
           </a:p>
@@ -2077,7 +2077,7 @@
           <a:p>
             <a:fld id="{E70142CA-9D5D-413D-9993-8CF5D57032C0}" type="datetimeFigureOut">
               <a:rPr lang="en-US" smtClean="0"/>
-              <a:t>1/27/2025</a:t>
+              <a:t>1/28/2025</a:t>
             </a:fld>
             <a:endParaRPr lang="en-US"/>
           </a:p>
@@ -2388,7 +2388,7 @@
           <a:p>
             <a:fld id="{E70142CA-9D5D-413D-9993-8CF5D57032C0}" type="datetimeFigureOut">
               <a:rPr lang="en-US" smtClean="0"/>
-              <a:t>1/27/2025</a:t>
+              <a:t>1/28/2025</a:t>
             </a:fld>
             <a:endParaRPr lang="en-US"/>
           </a:p>
@@ -2676,7 +2676,7 @@
           <a:p>
             <a:fld id="{E70142CA-9D5D-413D-9993-8CF5D57032C0}" type="datetimeFigureOut">
               <a:rPr lang="en-US" smtClean="0"/>
-              <a:t>1/27/2025</a:t>
+              <a:t>1/28/2025</a:t>
             </a:fld>
             <a:endParaRPr lang="en-US"/>
           </a:p>
@@ -2917,7 +2917,7 @@
           <a:p>
             <a:fld id="{E70142CA-9D5D-413D-9993-8CF5D57032C0}" type="datetimeFigureOut">
               <a:rPr lang="en-US" smtClean="0"/>
-              <a:t>1/27/2025</a:t>
+              <a:t>1/28/2025</a:t>
             </a:fld>
             <a:endParaRPr lang="en-US"/>
           </a:p>
@@ -3433,7 +3433,7 @@
             <a:pPr algn="l"/>
             <a:r>
               <a:rPr lang="en-US" sz="6600" dirty="0"/>
-              <a:t>Cognitive Music</a:t>
+              <a:t>Cognitive Audio</a:t>
             </a:r>
           </a:p>
         </p:txBody>
@@ -4247,8 +4247,8 @@
         </p:nvSpPr>
         <p:spPr>
           <a:xfrm rot="5400000">
-            <a:off x="2649710" y="2753860"/>
-            <a:ext cx="1796528" cy="1312433"/>
+            <a:off x="3185434" y="1815748"/>
+            <a:ext cx="1706074" cy="1312433"/>
           </a:xfrm>
           <a:prstGeom prst="snip2SameRect">
             <a:avLst>
@@ -4312,7 +4312,7 @@
         </p:nvSpPr>
         <p:spPr>
           <a:xfrm rot="16200000">
-            <a:off x="5847249" y="2902662"/>
+            <a:off x="6337746" y="2009777"/>
             <a:ext cx="3124074" cy="2369977"/>
           </a:xfrm>
           <a:prstGeom prst="snip2SameRect">
@@ -4398,8 +4398,8 @@
         </p:nvSpPr>
         <p:spPr>
           <a:xfrm>
-            <a:off x="1429732" y="3090660"/>
-            <a:ext cx="1435008" cy="1200329"/>
+            <a:off x="1103353" y="2191893"/>
+            <a:ext cx="2233304" cy="1200329"/>
           </a:xfrm>
           <a:prstGeom prst="rect">
             <a:avLst/>
@@ -4412,30 +4412,33 @@
           </a:bodyPr>
           <a:lstStyle/>
           <a:p>
+            <a:pPr algn="r"/>
             <a:r>
               <a:rPr lang="en-US" dirty="0"/>
               <a:t>Activity Data</a:t>
             </a:r>
           </a:p>
           <a:p>
+            <a:pPr algn="r"/>
             <a:r>
               <a:rPr lang="en-US" dirty="0"/>
-              <a:t>(HR)</a:t>
-            </a:r>
-            <a:br>
-              <a:rPr lang="en-US" dirty="0"/>
-            </a:br>
-            <a:r>
-              <a:rPr lang="en-US" dirty="0"/>
-              <a:t>(Accel)</a:t>
-            </a:r>
-          </a:p>
-          <a:p>
+              <a:t>(HR, Accel)</a:t>
+            </a:r>
+          </a:p>
+          <a:p>
+            <a:pPr algn="r"/>
             <a:r>
               <a:rPr lang="en-US" dirty="0"/>
               <a:t>(Audio)</a:t>
             </a:r>
           </a:p>
+          <a:p>
+            <a:pPr algn="r"/>
+            <a:r>
+              <a:rPr lang="en-US" dirty="0"/>
+              <a:t>Temperature Control</a:t>
+            </a:r>
+          </a:p>
         </p:txBody>
       </p:sp>
       <p:sp>
@@ -4452,7 +4455,7 @@
         </p:nvSpPr>
         <p:spPr>
           <a:xfrm>
-            <a:off x="1429732" y="2438447"/>
+            <a:off x="2006290" y="1618125"/>
             <a:ext cx="1286186" cy="646331"/>
           </a:xfrm>
           <a:prstGeom prst="rect">
@@ -4466,12 +4469,14 @@
           </a:bodyPr>
           <a:lstStyle/>
           <a:p>
+            <a:pPr algn="r"/>
             <a:r>
               <a:rPr lang="en-US" dirty="0"/>
               <a:t>Static Data</a:t>
             </a:r>
           </a:p>
           <a:p>
+            <a:pPr algn="r"/>
             <a:r>
               <a:rPr lang="en-US" dirty="0"/>
               <a:t>(pers. Info)</a:t>
@@ -4493,7 +4498,7 @@
         </p:nvSpPr>
         <p:spPr>
           <a:xfrm>
-            <a:off x="4204189" y="3217203"/>
+            <a:off x="4694686" y="2297423"/>
             <a:ext cx="2020105" cy="369332"/>
           </a:xfrm>
           <a:prstGeom prst="rect">
@@ -4528,8 +4533,8 @@
         </p:nvSpPr>
         <p:spPr>
           <a:xfrm>
-            <a:off x="4443084" y="3564148"/>
-            <a:ext cx="1741438" cy="1477328"/>
+            <a:off x="3992873" y="2714295"/>
+            <a:ext cx="2682146" cy="1200329"/>
           </a:xfrm>
           <a:prstGeom prst="rect">
             <a:avLst/>
@@ -4552,19 +4557,15 @@
             <a:pPr algn="r"/>
             <a:r>
               <a:rPr lang="en-US" dirty="0"/>
-              <a:t>Manual Tuning</a:t>
+              <a:t>(Semantic info, HR, FFT?)</a:t>
             </a:r>
           </a:p>
           <a:p>
             <a:pPr algn="r"/>
             <a:r>
               <a:rPr lang="en-US" dirty="0"/>
-              <a:t>Prompt</a:t>
-            </a:r>
-          </a:p>
-          <a:p>
-            <a:pPr algn="r"/>
-            <a:endParaRPr lang="en-US" dirty="0"/>
+              <a:t>User Prompt Info</a:t>
+            </a:r>
           </a:p>
           <a:p>
             <a:pPr algn="r"/>
@@ -4589,7 +4590,7 @@
         </p:nvSpPr>
         <p:spPr>
           <a:xfrm>
-            <a:off x="8617726" y="3848553"/>
+            <a:off x="9108223" y="2955668"/>
             <a:ext cx="1528047" cy="369332"/>
           </a:xfrm>
           <a:prstGeom prst="rect">
@@ -4606,6 +4607,161 @@
             <a:r>
               <a:rPr lang="en-US" dirty="0"/>
               <a:t>Audio Stream</a:t>
+            </a:r>
+          </a:p>
+        </p:txBody>
+      </p:sp>
+      <p:sp>
+        <p:nvSpPr>
+          <p:cNvPr id="3" name="TextBox 2">
+            <a:extLst>
+              <a:ext uri="{FF2B5EF4-FFF2-40B4-BE49-F238E27FC236}">
+                <a16:creationId xmlns:a16="http://schemas.microsoft.com/office/drawing/2014/main" id="{C1D147F6-0B6B-40CD-DD23-FA8D86ED62EA}"/>
+              </a:ext>
+            </a:extLst>
+          </p:cNvPr>
+          <p:cNvSpPr txBox="1"/>
+          <p:nvPr/>
+        </p:nvSpPr>
+        <p:spPr>
+          <a:xfrm>
+            <a:off x="838202" y="4213985"/>
+            <a:ext cx="5034070" cy="923330"/>
+          </a:xfrm>
+          <a:prstGeom prst="rect">
+            <a:avLst/>
+          </a:prstGeom>
+          <a:noFill/>
+        </p:spPr>
+        <p:txBody>
+          <a:bodyPr wrap="none" rtlCol="0">
+            <a:spAutoFit/>
+          </a:bodyPr>
+          <a:lstStyle/>
+          <a:p>
+            <a:r>
+              <a:rPr lang="en-US" dirty="0"/>
+              <a:t>Encoder Input Notes</a:t>
+            </a:r>
+          </a:p>
+          <a:p>
+            <a:pPr marL="285750" indent="-285750">
+              <a:buFontTx/>
+              <a:buChar char="-"/>
+            </a:pPr>
+            <a:r>
+              <a:rPr lang="en-US" dirty="0"/>
+              <a:t>maybe incorporate video, audio (model </a:t>
+            </a:r>
+            <a:r>
+              <a:rPr lang="en-US" dirty="0" err="1"/>
+              <a:t>impl</a:t>
+            </a:r>
+            <a:r>
+              <a:rPr lang="en-US" dirty="0"/>
+              <a:t>.)</a:t>
+            </a:r>
+          </a:p>
+          <a:p>
+            <a:pPr marL="285750" indent="-285750">
+              <a:buFontTx/>
+              <a:buChar char="-"/>
+            </a:pPr>
+            <a:r>
+              <a:rPr lang="en-US" dirty="0"/>
+              <a:t>Consider surprise-style </a:t>
+            </a:r>
+            <a:r>
+              <a:rPr lang="en-US" b="1" dirty="0"/>
+              <a:t>query trigger</a:t>
+            </a:r>
+          </a:p>
+        </p:txBody>
+      </p:sp>
+      <p:sp>
+        <p:nvSpPr>
+          <p:cNvPr id="5" name="TextBox 4">
+            <a:extLst>
+              <a:ext uri="{FF2B5EF4-FFF2-40B4-BE49-F238E27FC236}">
+                <a16:creationId xmlns:a16="http://schemas.microsoft.com/office/drawing/2014/main" id="{00972128-EDF0-9C50-FE1D-D5F164709179}"/>
+              </a:ext>
+            </a:extLst>
+          </p:cNvPr>
+          <p:cNvSpPr txBox="1"/>
+          <p:nvPr/>
+        </p:nvSpPr>
+        <p:spPr>
+          <a:xfrm>
+            <a:off x="5191463" y="5264649"/>
+            <a:ext cx="5158015" cy="1477328"/>
+          </a:xfrm>
+          <a:prstGeom prst="rect">
+            <a:avLst/>
+          </a:prstGeom>
+          <a:noFill/>
+        </p:spPr>
+        <p:txBody>
+          <a:bodyPr wrap="none" rtlCol="0">
+            <a:spAutoFit/>
+          </a:bodyPr>
+          <a:lstStyle/>
+          <a:p>
+            <a:r>
+              <a:rPr lang="en-US" dirty="0"/>
+              <a:t>Decoder Input Notes</a:t>
+            </a:r>
+          </a:p>
+          <a:p>
+            <a:pPr marL="285750" indent="-285750">
+              <a:buFontTx/>
+              <a:buChar char="-"/>
+            </a:pPr>
+            <a:r>
+              <a:rPr lang="en-US" dirty="0"/>
+              <a:t>Heartrate Info or FFT?</a:t>
+            </a:r>
+          </a:p>
+          <a:p>
+            <a:pPr marL="285750" indent="-285750">
+              <a:buFontTx/>
+              <a:buChar char="-"/>
+            </a:pPr>
+            <a:r>
+              <a:rPr lang="en-US" dirty="0"/>
+              <a:t>prediction length </a:t>
+            </a:r>
+            <a:r>
+              <a:rPr lang="en-US" dirty="0" err="1"/>
+              <a:t>impl</a:t>
+            </a:r>
+            <a:endParaRPr lang="en-US" dirty="0"/>
+          </a:p>
+          <a:p>
+            <a:pPr marL="285750" indent="-285750">
+              <a:buFontTx/>
+              <a:buChar char="-"/>
+            </a:pPr>
+            <a:r>
+              <a:rPr lang="en-US" b="1" dirty="0"/>
+              <a:t>glue method with segment retrieval</a:t>
+            </a:r>
+          </a:p>
+          <a:p>
+            <a:pPr marL="742950" lvl="1" indent="-285750">
+              <a:buFontTx/>
+              <a:buChar char="-"/>
+            </a:pPr>
+            <a:r>
+              <a:rPr lang="en-US" b="1" dirty="0"/>
+              <a:t>Can </a:t>
+            </a:r>
+            <a:r>
+              <a:rPr lang="en-US" b="1" dirty="0" err="1"/>
+              <a:t>pregenerate</a:t>
+            </a:r>
+            <a:r>
+              <a:rPr lang="en-US" b="1" dirty="0"/>
+              <a:t> segments or semantics</a:t>
             </a:r>
           </a:p>
         </p:txBody>
